--- a/tutorial/4-r-code-chunks.pptx
+++ b/tutorial/4-r-code-chunks.pptx
@@ -3262,7 +3262,7 @@
       </p:sp>
       <p:pic>
         <p:nvPicPr>
-          <p:cNvPr descr="4-r-code-chunks_files/figure-pptx/unnamed-chunk-7-1.png" id="0" name="Picture 1"/>
+          <p:cNvPr descr="4-r-code-chunks_files/figure-pptx/unnamed-chunk-8-1.png" id="0" name="Picture 1"/>
           <p:cNvPicPr>
             <a:picLocks noGrp="1" noChangeAspect="1"/>
           </p:cNvPicPr>
@@ -3409,7 +3409,7 @@
       </p:sp>
       <p:pic>
         <p:nvPicPr>
-          <p:cNvPr descr="4-r-code-chunks_files/figure-pptx/unnamed-chunk-8-1.png" id="0" name="Picture 1">
+          <p:cNvPr descr="4-r-code-chunks_files/figure-pptx/unnamed-chunk-9-1.png" id="0" name="Picture 1">
             <a:hlinkClick r:id="rId3"/>
           </p:cNvPr>
           <p:cNvPicPr>
@@ -5389,7 +5389,7 @@
       </p:sp>
       <p:pic>
         <p:nvPicPr>
-          <p:cNvPr descr="4-r-code-chunks_files/figure-pptx/unnamed-chunk-5-1.png" id="0" name="Picture 1"/>
+          <p:cNvPr descr="4-r-code-chunks_files/figure-pptx/unnamed-chunk-6-1.png" id="0" name="Picture 1"/>
           <p:cNvPicPr>
             <a:picLocks noGrp="1" noChangeAspect="1"/>
           </p:cNvPicPr>
